--- a/hyperlipidemia/Hyperlipidemia classification summary.pptx
+++ b/hyperlipidemia/Hyperlipidemia classification summary.pptx
@@ -108,6 +108,11 @@
       </a:defRPr>
     </a:lvl9pPr>
   </p:defaultTextStyle>
+  <p:extLst>
+    <p:ext uri="{EFAFB233-063F-42B5-8137-9DF3F51BA10A}">
+      <p15:sldGuideLst xmlns:p15="http://schemas.microsoft.com/office/powerpoint/2012/main"/>
+    </p:ext>
+  </p:extLst>
 </p:presentation>
 </file>
 
@@ -258,7 +263,7 @@
           <a:p>
             <a:fld id="{FBE83D37-7B90-4583-9ADA-07E5A32C5154}" type="datetimeFigureOut">
               <a:rPr lang="en-US" smtClean="0"/>
-              <a:t>10/23/2019</a:t>
+              <a:t>10/25/2019</a:t>
             </a:fld>
             <a:endParaRPr lang="en-US"/>
           </a:p>
@@ -456,7 +461,7 @@
           <a:p>
             <a:fld id="{FBE83D37-7B90-4583-9ADA-07E5A32C5154}" type="datetimeFigureOut">
               <a:rPr lang="en-US" smtClean="0"/>
-              <a:t>10/23/2019</a:t>
+              <a:t>10/25/2019</a:t>
             </a:fld>
             <a:endParaRPr lang="en-US"/>
           </a:p>
@@ -664,7 +669,7 @@
           <a:p>
             <a:fld id="{FBE83D37-7B90-4583-9ADA-07E5A32C5154}" type="datetimeFigureOut">
               <a:rPr lang="en-US" smtClean="0"/>
-              <a:t>10/23/2019</a:t>
+              <a:t>10/25/2019</a:t>
             </a:fld>
             <a:endParaRPr lang="en-US"/>
           </a:p>
@@ -862,7 +867,7 @@
           <a:p>
             <a:fld id="{FBE83D37-7B90-4583-9ADA-07E5A32C5154}" type="datetimeFigureOut">
               <a:rPr lang="en-US" smtClean="0"/>
-              <a:t>10/23/2019</a:t>
+              <a:t>10/25/2019</a:t>
             </a:fld>
             <a:endParaRPr lang="en-US"/>
           </a:p>
@@ -1137,7 +1142,7 @@
           <a:p>
             <a:fld id="{FBE83D37-7B90-4583-9ADA-07E5A32C5154}" type="datetimeFigureOut">
               <a:rPr lang="en-US" smtClean="0"/>
-              <a:t>10/23/2019</a:t>
+              <a:t>10/25/2019</a:t>
             </a:fld>
             <a:endParaRPr lang="en-US"/>
           </a:p>
@@ -1402,7 +1407,7 @@
           <a:p>
             <a:fld id="{FBE83D37-7B90-4583-9ADA-07E5A32C5154}" type="datetimeFigureOut">
               <a:rPr lang="en-US" smtClean="0"/>
-              <a:t>10/23/2019</a:t>
+              <a:t>10/25/2019</a:t>
             </a:fld>
             <a:endParaRPr lang="en-US"/>
           </a:p>
@@ -1814,7 +1819,7 @@
           <a:p>
             <a:fld id="{FBE83D37-7B90-4583-9ADA-07E5A32C5154}" type="datetimeFigureOut">
               <a:rPr lang="en-US" smtClean="0"/>
-              <a:t>10/23/2019</a:t>
+              <a:t>10/25/2019</a:t>
             </a:fld>
             <a:endParaRPr lang="en-US"/>
           </a:p>
@@ -1955,7 +1960,7 @@
           <a:p>
             <a:fld id="{FBE83D37-7B90-4583-9ADA-07E5A32C5154}" type="datetimeFigureOut">
               <a:rPr lang="en-US" smtClean="0"/>
-              <a:t>10/23/2019</a:t>
+              <a:t>10/25/2019</a:t>
             </a:fld>
             <a:endParaRPr lang="en-US"/>
           </a:p>
@@ -2068,7 +2073,7 @@
           <a:p>
             <a:fld id="{FBE83D37-7B90-4583-9ADA-07E5A32C5154}" type="datetimeFigureOut">
               <a:rPr lang="en-US" smtClean="0"/>
-              <a:t>10/23/2019</a:t>
+              <a:t>10/25/2019</a:t>
             </a:fld>
             <a:endParaRPr lang="en-US"/>
           </a:p>
@@ -2379,7 +2384,7 @@
           <a:p>
             <a:fld id="{FBE83D37-7B90-4583-9ADA-07E5A32C5154}" type="datetimeFigureOut">
               <a:rPr lang="en-US" smtClean="0"/>
-              <a:t>10/23/2019</a:t>
+              <a:t>10/25/2019</a:t>
             </a:fld>
             <a:endParaRPr lang="en-US"/>
           </a:p>
@@ -2667,7 +2672,7 @@
           <a:p>
             <a:fld id="{FBE83D37-7B90-4583-9ADA-07E5A32C5154}" type="datetimeFigureOut">
               <a:rPr lang="en-US" smtClean="0"/>
-              <a:t>10/23/2019</a:t>
+              <a:t>10/25/2019</a:t>
             </a:fld>
             <a:endParaRPr lang="en-US"/>
           </a:p>
@@ -2908,7 +2913,7 @@
           <a:p>
             <a:fld id="{FBE83D37-7B90-4583-9ADA-07E5A32C5154}" type="datetimeFigureOut">
               <a:rPr lang="en-US" smtClean="0"/>
-              <a:t>10/23/2019</a:t>
+              <a:t>10/25/2019</a:t>
             </a:fld>
             <a:endParaRPr lang="en-US"/>
           </a:p>
@@ -4114,77 +4119,110 @@
             </a:r>
           </a:p>
           <a:p>
-            <a:pPr lvl="1"/>
+            <a:pPr marL="800100" lvl="1" indent="-342900">
+              <a:buFont typeface="+mj-lt"/>
+              <a:buAutoNum type="arabicPeriod"/>
+            </a:pPr>
             <a:r>
               <a:rPr lang="en-US" sz="1800" dirty="0"/>
               <a:t>L100700 - Uric Acid</a:t>
             </a:r>
           </a:p>
           <a:p>
-            <a:pPr lvl="1"/>
+            <a:pPr marL="800100" lvl="1" indent="-342900">
+              <a:buFont typeface="+mj-lt"/>
+              <a:buAutoNum type="arabicPeriod"/>
+            </a:pPr>
             <a:r>
               <a:rPr lang="en-US" sz="1800" dirty="0"/>
               <a:t>S000300 - BMI</a:t>
             </a:r>
           </a:p>
           <a:p>
-            <a:pPr lvl="1"/>
+            <a:pPr marL="800100" lvl="1" indent="-342900">
+              <a:buFont typeface="+mj-lt"/>
+              <a:buAutoNum type="arabicPeriod"/>
+            </a:pPr>
             <a:r>
               <a:rPr lang="en-US" sz="1800" dirty="0"/>
               <a:t>L101700 - r-GTP gamma</a:t>
             </a:r>
           </a:p>
           <a:p>
-            <a:pPr lvl="1"/>
+            <a:pPr marL="800100" lvl="1" indent="-342900">
+              <a:buFont typeface="+mj-lt"/>
+              <a:buAutoNum type="arabicPeriod"/>
+            </a:pPr>
             <a:r>
               <a:rPr lang="en-US" sz="1800" dirty="0"/>
               <a:t>L100800 - Fasting glucose</a:t>
             </a:r>
           </a:p>
           <a:p>
-            <a:pPr lvl="1"/>
+            <a:pPr marL="800100" lvl="1" indent="-342900">
+              <a:buFont typeface="+mj-lt"/>
+              <a:buAutoNum type="arabicPeriod"/>
+            </a:pPr>
             <a:r>
               <a:rPr lang="en-US" sz="1800" dirty="0"/>
               <a:t>L103300 - Cardiac risk factor</a:t>
             </a:r>
           </a:p>
           <a:p>
-            <a:pPr lvl="1"/>
+            <a:pPr marL="800100" lvl="1" indent="-342900">
+              <a:buFont typeface="+mj-lt"/>
+              <a:buAutoNum type="arabicPeriod"/>
+            </a:pPr>
             <a:r>
               <a:rPr lang="en-US" sz="1800" dirty="0"/>
               <a:t>L103100 - HDL-cholesterol</a:t>
             </a:r>
           </a:p>
           <a:p>
-            <a:pPr lvl="1"/>
+            <a:pPr marL="800100" lvl="1" indent="-342900">
+              <a:buFont typeface="+mj-lt"/>
+              <a:buAutoNum type="arabicPeriod"/>
+            </a:pPr>
             <a:r>
               <a:rPr lang="en-US" sz="1800" dirty="0"/>
               <a:t>FIELD_33 - 4_1_Smoking</a:t>
             </a:r>
           </a:p>
           <a:p>
-            <a:pPr lvl="1"/>
+            <a:pPr marL="800100" lvl="1" indent="-342900">
+              <a:buFont typeface="+mj-lt"/>
+              <a:buAutoNum type="arabicPeriod"/>
+            </a:pPr>
             <a:r>
               <a:rPr lang="en-US" sz="1800" dirty="0"/>
               <a:t>FIELD_38 - Drinking 5-1 days (1 week)</a:t>
             </a:r>
           </a:p>
           <a:p>
-            <a:pPr lvl="1"/>
+            <a:pPr marL="800100" lvl="1" indent="-342900">
+              <a:buFont typeface="+mj-lt"/>
+              <a:buAutoNum type="arabicPeriod"/>
+            </a:pPr>
             <a:r>
               <a:rPr lang="en-US" sz="1800" dirty="0"/>
               <a:t>FIELD_40 - 6-1 of physical activity (high strength) </a:t>
             </a:r>
           </a:p>
           <a:p>
-            <a:pPr lvl="1"/>
+            <a:pPr marL="800100" lvl="1" indent="-342900">
+              <a:buFont typeface="+mj-lt"/>
+              <a:buAutoNum type="arabicPeriod"/>
+            </a:pPr>
             <a:r>
               <a:rPr lang="en-US" sz="1800" dirty="0"/>
               <a:t>SEX</a:t>
             </a:r>
           </a:p>
           <a:p>
-            <a:pPr lvl="1"/>
+            <a:pPr marL="800100" lvl="1" indent="-342900">
+              <a:buFont typeface="+mj-lt"/>
+              <a:buAutoNum type="arabicPeriod"/>
+            </a:pPr>
             <a:r>
               <a:rPr lang="en-US" sz="1800" dirty="0"/>
               <a:t>AGE</a:t>
